--- a/Develop/2dgp 2차 발표.pptx
+++ b/Develop/2dgp 2차 발표.pptx
@@ -3968,14 +3968,7 @@
                 <a:latin typeface="한컴 윤고딕 230" panose="02020603020101020101" pitchFamily="18" charset="-127"/>
                 <a:ea typeface="한컴 윤고딕 230" panose="02020603020101020101" pitchFamily="18" charset="-127"/>
               </a:rPr>
-              <a:t>적이 발사하는 젤리들을 </a:t>
-            </a:r>
-            <a:r>
-              <a:rPr lang="ko-KR" altLang="en-US" dirty="0" smtClean="0">
-                <a:latin typeface="한컴 윤고딕 230" panose="02020603020101020101" pitchFamily="18" charset="-127"/>
-                <a:ea typeface="한컴 윤고딕 230" panose="02020603020101020101" pitchFamily="18" charset="-127"/>
-              </a:rPr>
-              <a:t>쳐내고 목표까지 도달하라</a:t>
+              <a:t>적이 발사하는 젤리들을 쳐내고 목표까지 도달하라</a:t>
             </a:r>
             <a:r>
               <a:rPr lang="en-US" altLang="ko-KR" dirty="0" smtClean="0">
@@ -4177,7 +4170,7 @@
                 <a:latin typeface="한컴 윤고딕 240" panose="02020603020101020101" pitchFamily="18" charset="-127"/>
                 <a:ea typeface="한컴 윤고딕 240" panose="02020603020101020101" pitchFamily="18" charset="-127"/>
               </a:rPr>
-              <a:t>게임범위</a:t>
+              <a:t>개발범위</a:t>
             </a:r>
             <a:endParaRPr lang="ko-KR" altLang="en-US" dirty="0">
               <a:latin typeface="한컴 윤고딕 240" panose="02020603020101020101" pitchFamily="18" charset="-127"/>
@@ -4196,7 +4189,7 @@
             <p:ph idx="1"/>
             <p:extLst>
               <p:ext uri="{D42A27DB-BD31-4B8C-83A1-F6EECF244321}">
-                <p14:modId xmlns:p14="http://schemas.microsoft.com/office/powerpoint/2010/main" val="3616926251"/>
+                <p14:modId xmlns:p14="http://schemas.microsoft.com/office/powerpoint/2010/main" val="3241626780"/>
               </p:ext>
             </p:extLst>
           </p:nvPr>
@@ -4424,7 +4417,28 @@
                           <a:latin typeface="한컴 윤고딕 230" panose="02020603020101020101" pitchFamily="18" charset="-127"/>
                           <a:ea typeface="한컴 윤고딕 230" panose="02020603020101020101" pitchFamily="18" charset="-127"/>
                         </a:rPr>
-                        <a:t> 키</a:t>
+                        <a:t> </a:t>
+                      </a:r>
+                      <a:r>
+                        <a:rPr lang="ko-KR" altLang="en-US" dirty="0" smtClean="0">
+                          <a:latin typeface="한컴 윤고딕 230" panose="02020603020101020101" pitchFamily="18" charset="-127"/>
+                          <a:ea typeface="한컴 윤고딕 230" panose="02020603020101020101" pitchFamily="18" charset="-127"/>
+                        </a:rPr>
+                        <a:t>키</a:t>
+                      </a:r>
+                      <a:r>
+                        <a:rPr lang="en-US" altLang="ko-KR" smtClean="0">
+                          <a:latin typeface="한컴 윤고딕 230" panose="02020603020101020101" pitchFamily="18" charset="-127"/>
+                          <a:ea typeface="한컴 윤고딕 230" panose="02020603020101020101" pitchFamily="18" charset="-127"/>
+                        </a:rPr>
+                        <a:t>, </a:t>
+                      </a:r>
+                      <a:r>
+                        <a:rPr lang="ko-KR" altLang="en-US" smtClean="0">
+                          <a:latin typeface="한컴 윤고딕 230" panose="02020603020101020101" pitchFamily="18" charset="-127"/>
+                          <a:ea typeface="한컴 윤고딕 230" panose="02020603020101020101" pitchFamily="18" charset="-127"/>
+                        </a:rPr>
+                        <a:t>종료키</a:t>
                       </a:r>
                       <a:endParaRPr lang="en-US" altLang="ko-KR" dirty="0" smtClean="0">
                         <a:latin typeface="한컴 윤고딕 230" panose="02020603020101020101" pitchFamily="18" charset="-127"/>
@@ -4473,14 +4487,7 @@
                           <a:latin typeface="한컴 윤고딕 230" panose="02020603020101020101" pitchFamily="18" charset="-127"/>
                           <a:ea typeface="한컴 윤고딕 230" panose="02020603020101020101" pitchFamily="18" charset="-127"/>
                         </a:rPr>
-                        <a:t>하단공</a:t>
-                      </a:r>
-                      <a:r>
-                        <a:rPr lang="ko-KR" altLang="en-US" baseline="0" dirty="0" err="1" smtClean="0">
-                          <a:latin typeface="한컴 윤고딕 230" panose="02020603020101020101" pitchFamily="18" charset="-127"/>
-                          <a:ea typeface="한컴 윤고딕 230" panose="02020603020101020101" pitchFamily="18" charset="-127"/>
-                        </a:rPr>
-                        <a:t>격</a:t>
+                        <a:t>하단공격</a:t>
                       </a:r>
                       <a:r>
                         <a:rPr lang="en-US" altLang="ko-KR" baseline="0" dirty="0" smtClean="0">
@@ -4948,7 +4955,14 @@
                 <a:latin typeface="한컴 윤고딕 240" panose="02020603020101020101" pitchFamily="18" charset="-127"/>
                 <a:ea typeface="한컴 윤고딕 240" panose="02020603020101020101" pitchFamily="18" charset="-127"/>
               </a:rPr>
-              <a:t>게임일정</a:t>
+              <a:t>개발</a:t>
+            </a:r>
+            <a:r>
+              <a:rPr lang="ko-KR" altLang="en-US" dirty="0" err="1" smtClean="0">
+                <a:latin typeface="한컴 윤고딕 240" panose="02020603020101020101" pitchFamily="18" charset="-127"/>
+                <a:ea typeface="한컴 윤고딕 240" panose="02020603020101020101" pitchFamily="18" charset="-127"/>
+              </a:rPr>
+              <a:t>일정</a:t>
             </a:r>
             <a:endParaRPr lang="ko-KR" altLang="en-US" dirty="0">
               <a:latin typeface="한컴 윤고딕 240" panose="02020603020101020101" pitchFamily="18" charset="-127"/>
@@ -5184,14 +5198,7 @@
                           <a:latin typeface="한컴 윤고딕 230" panose="02020603020101020101" pitchFamily="18" charset="-127"/>
                           <a:ea typeface="한컴 윤고딕 230" panose="02020603020101020101" pitchFamily="18" charset="-127"/>
                         </a:rPr>
-                        <a:t>(70</a:t>
-                      </a:r>
-                      <a:r>
-                        <a:rPr lang="en-US" altLang="ko-KR" sz="1600" baseline="0" dirty="0" smtClean="0">
-                          <a:latin typeface="한컴 윤고딕 230" panose="02020603020101020101" pitchFamily="18" charset="-127"/>
-                          <a:ea typeface="한컴 윤고딕 230" panose="02020603020101020101" pitchFamily="18" charset="-127"/>
-                        </a:rPr>
-                        <a:t>%)</a:t>
+                        <a:t>(70%)</a:t>
                       </a:r>
                       <a:endParaRPr lang="ko-KR" altLang="en-US" sz="1600" dirty="0">
                         <a:latin typeface="한컴 윤고딕 230" panose="02020603020101020101" pitchFamily="18" charset="-127"/>
@@ -5450,35 +5457,21 @@
                           <a:latin typeface="한컴 윤고딕 230" panose="02020603020101020101" pitchFamily="18" charset="-127"/>
                           <a:ea typeface="한컴 윤고딕 230" panose="02020603020101020101" pitchFamily="18" charset="-127"/>
                         </a:rPr>
-                        <a:t>(93</a:t>
+                        <a:t>(93%), </a:t>
+                      </a:r>
+                      <a:r>
+                        <a:rPr lang="ko-KR" altLang="en-US" sz="1600" baseline="0" dirty="0" smtClean="0">
+                          <a:latin typeface="한컴 윤고딕 230" panose="02020603020101020101" pitchFamily="18" charset="-127"/>
+                          <a:ea typeface="한컴 윤고딕 230" panose="02020603020101020101" pitchFamily="18" charset="-127"/>
+                        </a:rPr>
+                        <a:t>몬스터 오브젝트</a:t>
                       </a:r>
                       <a:r>
                         <a:rPr lang="en-US" altLang="ko-KR" sz="1600" baseline="0" dirty="0" smtClean="0">
                           <a:latin typeface="한컴 윤고딕 230" panose="02020603020101020101" pitchFamily="18" charset="-127"/>
                           <a:ea typeface="한컴 윤고딕 230" panose="02020603020101020101" pitchFamily="18" charset="-127"/>
                         </a:rPr>
-                        <a:t>%), </a:t>
-                      </a:r>
-                      <a:r>
-                        <a:rPr lang="ko-KR" altLang="en-US" sz="1600" baseline="0" dirty="0" smtClean="0">
-                          <a:latin typeface="한컴 윤고딕 230" panose="02020603020101020101" pitchFamily="18" charset="-127"/>
-                          <a:ea typeface="한컴 윤고딕 230" panose="02020603020101020101" pitchFamily="18" charset="-127"/>
-                        </a:rPr>
-                        <a:t>몬스터 오브젝트</a:t>
-                      </a:r>
-                      <a:r>
-                        <a:rPr lang="en-US" altLang="ko-KR" sz="1600" baseline="0" dirty="0" smtClean="0">
-                          <a:latin typeface="한컴 윤고딕 230" panose="02020603020101020101" pitchFamily="18" charset="-127"/>
-                          <a:ea typeface="한컴 윤고딕 230" panose="02020603020101020101" pitchFamily="18" charset="-127"/>
-                        </a:rPr>
-                        <a:t>(80</a:t>
-                      </a:r>
-                      <a:r>
-                        <a:rPr lang="en-US" altLang="ko-KR" sz="1600" baseline="0" dirty="0" smtClean="0">
-                          <a:latin typeface="한컴 윤고딕 230" panose="02020603020101020101" pitchFamily="18" charset="-127"/>
-                          <a:ea typeface="한컴 윤고딕 230" panose="02020603020101020101" pitchFamily="18" charset="-127"/>
-                        </a:rPr>
-                        <a:t>%),</a:t>
+                        <a:t>(80%),</a:t>
                       </a:r>
                     </a:p>
                     <a:p>
@@ -6447,7 +6440,12 @@
             <p:ph type="title"/>
           </p:nvPr>
         </p:nvSpPr>
-        <p:spPr/>
+        <p:spPr>
+          <a:xfrm>
+            <a:off x="1371600" y="170411"/>
+            <a:ext cx="9601200" cy="1485900"/>
+          </a:xfrm>
+        </p:spPr>
         <p:txBody>
           <a:bodyPr/>
           <a:lstStyle/>
@@ -6468,7 +6466,7 @@
       </p:sp>
       <p:pic>
         <p:nvPicPr>
-          <p:cNvPr id="4" name="내용 개체 틀 3"/>
+          <p:cNvPr id="5" name="내용 개체 틀 4"/>
           <p:cNvPicPr>
             <a:picLocks noGrp="1" noChangeAspect="1"/>
           </p:cNvPicPr>
@@ -6490,9 +6488,190 @@
         </p:blipFill>
         <p:spPr>
           <a:xfrm>
-            <a:off x="1371600" y="1428750"/>
-            <a:ext cx="7732047" cy="4446587"/>
+            <a:off x="1371600" y="913361"/>
+            <a:ext cx="4239491" cy="2593617"/>
           </a:xfrm>
+        </p:spPr>
+      </p:pic>
+      <p:pic>
+        <p:nvPicPr>
+          <p:cNvPr id="6" name="그림 5"/>
+          <p:cNvPicPr>
+            <a:picLocks noChangeAspect="1"/>
+          </p:cNvPicPr>
+          <p:nvPr/>
+        </p:nvPicPr>
+        <p:blipFill>
+          <a:blip r:embed="rId3">
+            <a:extLst>
+              <a:ext uri="{28A0092B-C50C-407E-A947-70E740481C1C}">
+                <a14:useLocalDpi xmlns:a14="http://schemas.microsoft.com/office/drawing/2010/main" val="0"/>
+              </a:ext>
+            </a:extLst>
+          </a:blip>
+          <a:stretch>
+            <a:fillRect/>
+          </a:stretch>
+        </p:blipFill>
+        <p:spPr>
+          <a:xfrm>
+            <a:off x="6842349" y="913362"/>
+            <a:ext cx="4363207" cy="2583478"/>
+          </a:xfrm>
+          <a:prstGeom prst="rect">
+            <a:avLst/>
+          </a:prstGeom>
+        </p:spPr>
+      </p:pic>
+      <p:sp>
+        <p:nvSpPr>
+          <p:cNvPr id="7" name="TextBox 6"/>
+          <p:cNvSpPr txBox="1"/>
+          <p:nvPr/>
+        </p:nvSpPr>
+        <p:spPr>
+          <a:xfrm>
+            <a:off x="1371600" y="3498189"/>
+            <a:ext cx="4339650" cy="369332"/>
+          </a:xfrm>
+          <a:prstGeom prst="rect">
+            <a:avLst/>
+          </a:prstGeom>
+          <a:noFill/>
+        </p:spPr>
+        <p:txBody>
+          <a:bodyPr wrap="none" rtlCol="0">
+            <a:spAutoFit/>
+          </a:bodyPr>
+          <a:lstStyle/>
+          <a:p>
+            <a:r>
+              <a:rPr lang="ko-KR" altLang="en-US" dirty="0" smtClean="0"/>
+              <a:t>▲ </a:t>
+            </a:r>
+            <a:r>
+              <a:rPr lang="en-US" altLang="ko-KR" dirty="0" smtClean="0"/>
+              <a:t>1</a:t>
+            </a:r>
+            <a:r>
+              <a:rPr lang="ko-KR" altLang="en-US" dirty="0" smtClean="0"/>
+              <a:t>주차                                           ▼</a:t>
+            </a:r>
+            <a:r>
+              <a:rPr lang="en-US" altLang="ko-KR" dirty="0" smtClean="0"/>
+              <a:t>3</a:t>
+            </a:r>
+            <a:r>
+              <a:rPr lang="ko-KR" altLang="en-US" dirty="0" smtClean="0"/>
+              <a:t>주차</a:t>
+            </a:r>
+            <a:endParaRPr lang="ko-KR" altLang="en-US" dirty="0"/>
+          </a:p>
+        </p:txBody>
+      </p:sp>
+      <p:sp>
+        <p:nvSpPr>
+          <p:cNvPr id="8" name="TextBox 7"/>
+          <p:cNvSpPr txBox="1"/>
+          <p:nvPr/>
+        </p:nvSpPr>
+        <p:spPr>
+          <a:xfrm>
+            <a:off x="6842348" y="3496840"/>
+            <a:ext cx="4363207" cy="369332"/>
+          </a:xfrm>
+          <a:prstGeom prst="rect">
+            <a:avLst/>
+          </a:prstGeom>
+          <a:noFill/>
+        </p:spPr>
+        <p:txBody>
+          <a:bodyPr wrap="square" rtlCol="0">
+            <a:spAutoFit/>
+          </a:bodyPr>
+          <a:lstStyle/>
+          <a:p>
+            <a:r>
+              <a:rPr lang="ko-KR" altLang="en-US" dirty="0" smtClean="0"/>
+              <a:t>▲</a:t>
+            </a:r>
+            <a:r>
+              <a:rPr lang="en-US" altLang="ko-KR" dirty="0" smtClean="0"/>
+              <a:t>2</a:t>
+            </a:r>
+            <a:r>
+              <a:rPr lang="ko-KR" altLang="en-US" dirty="0" smtClean="0"/>
+              <a:t>주차                                             ▼</a:t>
+            </a:r>
+            <a:r>
+              <a:rPr lang="en-US" altLang="ko-KR" dirty="0"/>
+              <a:t>4</a:t>
+            </a:r>
+            <a:r>
+              <a:rPr lang="ko-KR" altLang="en-US" dirty="0"/>
+              <a:t>주차 </a:t>
+            </a:r>
+          </a:p>
+        </p:txBody>
+      </p:sp>
+      <p:pic>
+        <p:nvPicPr>
+          <p:cNvPr id="9" name="그림 8"/>
+          <p:cNvPicPr>
+            <a:picLocks noChangeAspect="1"/>
+          </p:cNvPicPr>
+          <p:nvPr/>
+        </p:nvPicPr>
+        <p:blipFill>
+          <a:blip r:embed="rId4">
+            <a:extLst>
+              <a:ext uri="{28A0092B-C50C-407E-A947-70E740481C1C}">
+                <a14:useLocalDpi xmlns:a14="http://schemas.microsoft.com/office/drawing/2010/main" val="0"/>
+              </a:ext>
+            </a:extLst>
+          </a:blip>
+          <a:stretch>
+            <a:fillRect/>
+          </a:stretch>
+        </p:blipFill>
+        <p:spPr>
+          <a:xfrm>
+            <a:off x="1371599" y="4015047"/>
+            <a:ext cx="4239491" cy="2518023"/>
+          </a:xfrm>
+          <a:prstGeom prst="rect">
+            <a:avLst/>
+          </a:prstGeom>
+        </p:spPr>
+      </p:pic>
+      <p:pic>
+        <p:nvPicPr>
+          <p:cNvPr id="10" name="그림 9"/>
+          <p:cNvPicPr>
+            <a:picLocks noChangeAspect="1"/>
+          </p:cNvPicPr>
+          <p:nvPr/>
+        </p:nvPicPr>
+        <p:blipFill>
+          <a:blip r:embed="rId5">
+            <a:extLst>
+              <a:ext uri="{28A0092B-C50C-407E-A947-70E740481C1C}">
+                <a14:useLocalDpi xmlns:a14="http://schemas.microsoft.com/office/drawing/2010/main" val="0"/>
+              </a:ext>
+            </a:extLst>
+          </a:blip>
+          <a:stretch>
+            <a:fillRect/>
+          </a:stretch>
+        </p:blipFill>
+        <p:spPr>
+          <a:xfrm>
+            <a:off x="6842349" y="4015046"/>
+            <a:ext cx="4378521" cy="2518023"/>
+          </a:xfrm>
+          <a:prstGeom prst="rect">
+            <a:avLst/>
+          </a:prstGeom>
         </p:spPr>
       </p:pic>
     </p:spTree>

--- a/Develop/2dgp 2차 발표.pptx
+++ b/Develop/2dgp 2차 발표.pptx
@@ -2905,7 +2905,7 @@
           </a:lstStyle>
           <a:p>
             <a:r>
-              <a:rPr lang="ko-KR" altLang="en-US" smtClean="0"/>
+              <a:rPr lang="ko-KR" altLang="en-US" dirty="0" smtClean="0"/>
               <a:t>그림을 추가하려면 아이콘을 클릭하십시오</a:t>
             </a:r>
             <a:endParaRPr lang="en-US" dirty="0"/>
@@ -3887,6 +3887,13 @@
   <p:clrMapOvr>
     <a:masterClrMapping/>
   </p:clrMapOvr>
+  <p:timing>
+    <p:tnLst>
+      <p:par>
+        <p:cTn id="1" dur="indefinite" restart="never" nodeType="tmRoot"/>
+      </p:par>
+    </p:tnLst>
+  </p:timing>
 </p:sld>
 </file>
 
@@ -3930,11 +3937,11 @@
           <a:lstStyle/>
           <a:p>
             <a:r>
-              <a:rPr lang="ko-KR" altLang="en-US" sz="4000" dirty="0" err="1" smtClean="0">
+              <a:rPr lang="ko-KR" altLang="en-US" sz="4000" dirty="0" smtClean="0">
                 <a:latin typeface="한컴 윤고딕 240" panose="02020603020101020101" pitchFamily="18" charset="-127"/>
                 <a:ea typeface="한컴 윤고딕 240" panose="02020603020101020101" pitchFamily="18" charset="-127"/>
               </a:rPr>
-              <a:t>게임컨셉</a:t>
+              <a:t>게임 컨셉</a:t>
             </a:r>
             <a:endParaRPr lang="ko-KR" altLang="en-US" sz="4000" dirty="0">
               <a:latin typeface="한컴 윤고딕 240" panose="02020603020101020101" pitchFamily="18" charset="-127"/>
@@ -4056,25 +4063,11 @@
           </a:p>
           <a:p>
             <a:r>
-              <a:rPr lang="ko-KR" altLang="en-US" dirty="0" err="1" smtClean="0">
-                <a:latin typeface="한컴 윤고딕 230" panose="02020603020101020101" pitchFamily="18" charset="-127"/>
-                <a:ea typeface="한컴 윤고딕 230" panose="02020603020101020101" pitchFamily="18" charset="-127"/>
-              </a:rPr>
-              <a:t>횡스크롤</a:t>
-            </a:r>
-            <a:r>
               <a:rPr lang="ko-KR" altLang="en-US" dirty="0" smtClean="0">
                 <a:latin typeface="한컴 윤고딕 230" panose="02020603020101020101" pitchFamily="18" charset="-127"/>
                 <a:ea typeface="한컴 윤고딕 230" panose="02020603020101020101" pitchFamily="18" charset="-127"/>
               </a:rPr>
-              <a:t> </a:t>
-            </a:r>
-            <a:r>
-              <a:rPr lang="ko-KR" altLang="en-US" dirty="0" err="1" smtClean="0">
-                <a:latin typeface="한컴 윤고딕 230" panose="02020603020101020101" pitchFamily="18" charset="-127"/>
-                <a:ea typeface="한컴 윤고딕 230" panose="02020603020101020101" pitchFamily="18" charset="-127"/>
-              </a:rPr>
-              <a:t>타격게임</a:t>
+              <a:t>횡 스크롤 타격 게임</a:t>
             </a:r>
             <a:r>
               <a:rPr lang="en-US" altLang="ko-KR" dirty="0" smtClean="0">
@@ -4130,6 +4123,13 @@
   <p:clrMapOvr>
     <a:masterClrMapping/>
   </p:clrMapOvr>
+  <p:timing>
+    <p:tnLst>
+      <p:par>
+        <p:cTn id="1" dur="indefinite" restart="never" nodeType="tmRoot"/>
+      </p:par>
+    </p:tnLst>
+  </p:timing>
 </p:sld>
 </file>
 
@@ -4166,11 +4166,11 @@
           <a:lstStyle/>
           <a:p>
             <a:r>
-              <a:rPr lang="ko-KR" altLang="en-US" dirty="0" err="1" smtClean="0">
+              <a:rPr lang="ko-KR" altLang="en-US" dirty="0" smtClean="0">
                 <a:latin typeface="한컴 윤고딕 240" panose="02020603020101020101" pitchFamily="18" charset="-127"/>
                 <a:ea typeface="한컴 윤고딕 240" panose="02020603020101020101" pitchFamily="18" charset="-127"/>
               </a:rPr>
-              <a:t>개발범위</a:t>
+              <a:t>개발 범위</a:t>
             </a:r>
             <a:endParaRPr lang="ko-KR" altLang="en-US" dirty="0">
               <a:latin typeface="한컴 윤고딕 240" panose="02020603020101020101" pitchFamily="18" charset="-127"/>
@@ -4189,7 +4189,7 @@
             <p:ph idx="1"/>
             <p:extLst>
               <p:ext uri="{D42A27DB-BD31-4B8C-83A1-F6EECF244321}">
-                <p14:modId xmlns:p14="http://schemas.microsoft.com/office/powerpoint/2010/main" val="3241626780"/>
+                <p14:modId xmlns:p14="http://schemas.microsoft.com/office/powerpoint/2010/main" val="3031037768"/>
               </p:ext>
             </p:extLst>
           </p:nvPr>
@@ -4392,11 +4392,11 @@
                         <a:t>,  </a:t>
                       </a:r>
                       <a:r>
-                        <a:rPr lang="ko-KR" altLang="en-US" dirty="0" err="1" smtClean="0">
-                          <a:latin typeface="한컴 윤고딕 230" panose="02020603020101020101" pitchFamily="18" charset="-127"/>
-                          <a:ea typeface="한컴 윤고딕 230" panose="02020603020101020101" pitchFamily="18" charset="-127"/>
-                        </a:rPr>
-                        <a:t>상단공격</a:t>
+                        <a:rPr lang="ko-KR" altLang="en-US" dirty="0" smtClean="0">
+                          <a:latin typeface="한컴 윤고딕 230" panose="02020603020101020101" pitchFamily="18" charset="-127"/>
+                          <a:ea typeface="한컴 윤고딕 230" panose="02020603020101020101" pitchFamily="18" charset="-127"/>
+                        </a:rPr>
+                        <a:t>상단 공격</a:t>
                       </a:r>
                       <a:r>
                         <a:rPr lang="en-US" altLang="ko-KR" dirty="0" smtClean="0">
@@ -4406,39 +4406,11 @@
                         <a:t>, </a:t>
                       </a:r>
                       <a:r>
-                        <a:rPr lang="ko-KR" altLang="en-US" dirty="0" err="1" smtClean="0">
-                          <a:latin typeface="한컴 윤고딕 230" panose="02020603020101020101" pitchFamily="18" charset="-127"/>
-                          <a:ea typeface="한컴 윤고딕 230" panose="02020603020101020101" pitchFamily="18" charset="-127"/>
-                        </a:rPr>
-                        <a:t>하단공격</a:t>
-                      </a:r>
-                      <a:r>
                         <a:rPr lang="ko-KR" altLang="en-US" dirty="0" smtClean="0">
                           <a:latin typeface="한컴 윤고딕 230" panose="02020603020101020101" pitchFamily="18" charset="-127"/>
                           <a:ea typeface="한컴 윤고딕 230" panose="02020603020101020101" pitchFamily="18" charset="-127"/>
                         </a:rPr>
-                        <a:t> </a:t>
-                      </a:r>
-                      <a:r>
-                        <a:rPr lang="ko-KR" altLang="en-US" dirty="0" smtClean="0">
-                          <a:latin typeface="한컴 윤고딕 230" panose="02020603020101020101" pitchFamily="18" charset="-127"/>
-                          <a:ea typeface="한컴 윤고딕 230" panose="02020603020101020101" pitchFamily="18" charset="-127"/>
-                        </a:rPr>
-                        <a:t>키</a:t>
-                      </a:r>
-                      <a:r>
-                        <a:rPr lang="en-US" altLang="ko-KR" smtClean="0">
-                          <a:latin typeface="한컴 윤고딕 230" panose="02020603020101020101" pitchFamily="18" charset="-127"/>
-                          <a:ea typeface="한컴 윤고딕 230" panose="02020603020101020101" pitchFamily="18" charset="-127"/>
-                        </a:rPr>
-                        <a:t>, </a:t>
-                      </a:r>
-                      <a:r>
-                        <a:rPr lang="ko-KR" altLang="en-US" smtClean="0">
-                          <a:latin typeface="한컴 윤고딕 230" panose="02020603020101020101" pitchFamily="18" charset="-127"/>
-                          <a:ea typeface="한컴 윤고딕 230" panose="02020603020101020101" pitchFamily="18" charset="-127"/>
-                        </a:rPr>
-                        <a:t>종료키</a:t>
+                        <a:t>하단 공격 키</a:t>
                       </a:r>
                       <a:endParaRPr lang="en-US" altLang="ko-KR" dirty="0" smtClean="0">
                         <a:latin typeface="한컴 윤고딕 230" panose="02020603020101020101" pitchFamily="18" charset="-127"/>
@@ -4452,42 +4424,49 @@
                           <a:latin typeface="한컴 윤고딕 230" panose="02020603020101020101" pitchFamily="18" charset="-127"/>
                           <a:ea typeface="한컴 윤고딕 230" panose="02020603020101020101" pitchFamily="18" charset="-127"/>
                         </a:rPr>
-                        <a:t>F – </a:t>
-                      </a:r>
-                      <a:r>
-                        <a:rPr lang="ko-KR" altLang="en-US" dirty="0" err="1" smtClean="0">
-                          <a:latin typeface="한컴 윤고딕 230" panose="02020603020101020101" pitchFamily="18" charset="-127"/>
-                          <a:ea typeface="한컴 윤고딕 230" panose="02020603020101020101" pitchFamily="18" charset="-127"/>
-                        </a:rPr>
-                        <a:t>상단공격</a:t>
+                        <a:t>F </a:t>
+                      </a:r>
+                      <a:r>
+                        <a:rPr lang="en-US" altLang="ko-KR" dirty="0" smtClean="0">
+                          <a:latin typeface="한컴 윤고딕 230" panose="02020603020101020101" pitchFamily="18" charset="-127"/>
+                          <a:ea typeface="한컴 윤고딕 230" panose="02020603020101020101" pitchFamily="18" charset="-127"/>
+                        </a:rPr>
+                        <a:t>– </a:t>
                       </a:r>
                       <a:r>
                         <a:rPr lang="ko-KR" altLang="en-US" dirty="0" smtClean="0">
                           <a:latin typeface="한컴 윤고딕 230" panose="02020603020101020101" pitchFamily="18" charset="-127"/>
                           <a:ea typeface="한컴 윤고딕 230" panose="02020603020101020101" pitchFamily="18" charset="-127"/>
                         </a:rPr>
+                        <a:t>상단 공격 </a:t>
+                      </a:r>
+                      <a:r>
+                        <a:rPr lang="en-US" altLang="ko-KR" dirty="0" smtClean="0">
+                          <a:latin typeface="한컴 윤고딕 230" panose="02020603020101020101" pitchFamily="18" charset="-127"/>
+                          <a:ea typeface="한컴 윤고딕 230" panose="02020603020101020101" pitchFamily="18" charset="-127"/>
+                        </a:rPr>
+                        <a:t>J</a:t>
+                      </a:r>
+                      <a:r>
+                        <a:rPr lang="en-US" altLang="ko-KR" baseline="0" dirty="0" smtClean="0">
+                          <a:latin typeface="한컴 윤고딕 230" panose="02020603020101020101" pitchFamily="18" charset="-127"/>
+                          <a:ea typeface="한컴 윤고딕 230" panose="02020603020101020101" pitchFamily="18" charset="-127"/>
+                        </a:rPr>
                         <a:t> </a:t>
                       </a:r>
                       <a:r>
-                        <a:rPr lang="en-US" altLang="ko-KR" dirty="0" smtClean="0">
-                          <a:latin typeface="한컴 윤고딕 230" panose="02020603020101020101" pitchFamily="18" charset="-127"/>
-                          <a:ea typeface="한컴 윤고딕 230" panose="02020603020101020101" pitchFamily="18" charset="-127"/>
-                        </a:rPr>
-                        <a:t>J</a:t>
-                      </a:r>
-                      <a:r>
                         <a:rPr lang="en-US" altLang="ko-KR" baseline="0" dirty="0" smtClean="0">
                           <a:latin typeface="한컴 윤고딕 230" panose="02020603020101020101" pitchFamily="18" charset="-127"/>
                           <a:ea typeface="한컴 윤고딕 230" panose="02020603020101020101" pitchFamily="18" charset="-127"/>
                         </a:rPr>
-                        <a:t> - </a:t>
-                      </a:r>
-                      <a:r>
-                        <a:rPr lang="ko-KR" altLang="en-US" baseline="0" dirty="0" err="1" smtClean="0">
-                          <a:latin typeface="한컴 윤고딕 230" panose="02020603020101020101" pitchFamily="18" charset="-127"/>
-                          <a:ea typeface="한컴 윤고딕 230" panose="02020603020101020101" pitchFamily="18" charset="-127"/>
-                        </a:rPr>
-                        <a:t>하단공격</a:t>
+                        <a:t>– </a:t>
+                      </a:r>
+                      <a:r>
+                        <a:rPr lang="ko-KR" altLang="en-US" baseline="0" dirty="0" smtClean="0">
+                          <a:latin typeface="한컴 윤고딕 230" panose="02020603020101020101" pitchFamily="18" charset="-127"/>
+                          <a:ea typeface="한컴 윤고딕 230" panose="02020603020101020101" pitchFamily="18" charset="-127"/>
+                        </a:rPr>
+                        <a:t>하단 공격</a:t>
                       </a:r>
                       <a:r>
                         <a:rPr lang="en-US" altLang="ko-KR" baseline="0" dirty="0" smtClean="0">
@@ -4546,32 +4525,18 @@
                         <a:t>가장 어려운 레벨을 퍼펙트로 </a:t>
                       </a:r>
                       <a:r>
-                        <a:rPr lang="ko-KR" altLang="en-US" dirty="0" err="1" smtClean="0">
-                          <a:latin typeface="한컴 윤고딕 230" panose="02020603020101020101" pitchFamily="18" charset="-127"/>
-                          <a:ea typeface="한컴 윤고딕 230" panose="02020603020101020101" pitchFamily="18" charset="-127"/>
-                        </a:rPr>
-                        <a:t>클리어시</a:t>
-                      </a:r>
-                      <a:r>
                         <a:rPr lang="ko-KR" altLang="en-US" dirty="0" smtClean="0">
                           <a:latin typeface="한컴 윤고딕 230" panose="02020603020101020101" pitchFamily="18" charset="-127"/>
                           <a:ea typeface="한컴 윤고딕 230" panose="02020603020101020101" pitchFamily="18" charset="-127"/>
                         </a:rPr>
-                        <a:t> 보스몬스터를 </a:t>
-                      </a:r>
-                      <a:r>
-                        <a:rPr lang="ko-KR" altLang="en-US" dirty="0" err="1" smtClean="0">
-                          <a:latin typeface="한컴 윤고딕 230" panose="02020603020101020101" pitchFamily="18" charset="-127"/>
-                          <a:ea typeface="한컴 윤고딕 230" panose="02020603020101020101" pitchFamily="18" charset="-127"/>
-                        </a:rPr>
-                        <a:t>플레이어블</a:t>
+                        <a:t>클리어 시 </a:t>
                       </a:r>
                       <a:r>
                         <a:rPr lang="ko-KR" altLang="en-US" dirty="0" smtClean="0">
                           <a:latin typeface="한컴 윤고딕 230" panose="02020603020101020101" pitchFamily="18" charset="-127"/>
                           <a:ea typeface="한컴 윤고딕 230" panose="02020603020101020101" pitchFamily="18" charset="-127"/>
                         </a:rPr>
-                        <a:t> 캐릭터로 추가 </a:t>
+                        <a:t>보스몬스터를 플레이어블 캐릭터로 추가 </a:t>
                       </a:r>
                       <a:r>
                         <a:rPr lang="en-US" altLang="ko-KR" dirty="0" smtClean="0">
@@ -4585,14 +4550,7 @@
                           <a:latin typeface="한컴 윤고딕 230" panose="02020603020101020101" pitchFamily="18" charset="-127"/>
                           <a:ea typeface="한컴 윤고딕 230" panose="02020603020101020101" pitchFamily="18" charset="-127"/>
                         </a:rPr>
-                        <a:t>아이템을 모아 캐릭터 </a:t>
-                      </a:r>
-                      <a:r>
-                        <a:rPr lang="ko-KR" altLang="en-US" dirty="0" err="1" smtClean="0">
-                          <a:latin typeface="한컴 윤고딕 230" panose="02020603020101020101" pitchFamily="18" charset="-127"/>
-                          <a:ea typeface="한컴 윤고딕 230" panose="02020603020101020101" pitchFamily="18" charset="-127"/>
-                        </a:rPr>
-                        <a:t>잠금해제</a:t>
+                        <a:t>아이템을 모아 캐릭터 잠금해제</a:t>
                       </a:r>
                       <a:endParaRPr lang="en-US" altLang="ko-KR" dirty="0" smtClean="0">
                         <a:latin typeface="한컴 윤고딕 230" panose="02020603020101020101" pitchFamily="18" charset="-127"/>
@@ -4609,21 +4567,14 @@
                           <a:latin typeface="한컴 윤고딕 230" panose="02020603020101020101" pitchFamily="18" charset="-127"/>
                           <a:ea typeface="한컴 윤고딕 230" panose="02020603020101020101" pitchFamily="18" charset="-127"/>
                         </a:rPr>
-                        <a:t>삭제</a:t>
-                      </a:r>
-                      <a:r>
-                        <a:rPr lang="en-US" altLang="ko-KR" dirty="0" smtClean="0">
-                          <a:latin typeface="한컴 윤고딕 230" panose="02020603020101020101" pitchFamily="18" charset="-127"/>
-                          <a:ea typeface="한컴 윤고딕 230" panose="02020603020101020101" pitchFamily="18" charset="-127"/>
-                        </a:rPr>
-                        <a:t>, </a:t>
+                        <a:t>대신 </a:t>
                       </a:r>
                       <a:r>
                         <a:rPr lang="ko-KR" altLang="en-US" dirty="0" smtClean="0">
                           <a:latin typeface="한컴 윤고딕 230" panose="02020603020101020101" pitchFamily="18" charset="-127"/>
                           <a:ea typeface="한컴 윤고딕 230" panose="02020603020101020101" pitchFamily="18" charset="-127"/>
                         </a:rPr>
-                        <a:t>대신 캐릭터를 선택가능하게 변경</a:t>
+                        <a:t>캐릭터를 선택가능하게 변경</a:t>
                       </a:r>
                       <a:endParaRPr lang="en-US" altLang="ko-KR" dirty="0" smtClean="0">
                         <a:latin typeface="한컴 윤고딕 230" panose="02020603020101020101" pitchFamily="18" charset="-127"/>
@@ -4685,32 +4636,11 @@
                         <a:t>난이도 </a:t>
                       </a:r>
                       <a:r>
-                        <a:rPr lang="ko-KR" altLang="en-US" dirty="0" err="1" smtClean="0">
-                          <a:latin typeface="한컴 윤고딕 230" panose="02020603020101020101" pitchFamily="18" charset="-127"/>
-                          <a:ea typeface="한컴 윤고딕 230" panose="02020603020101020101" pitchFamily="18" charset="-127"/>
-                        </a:rPr>
-                        <a:t>증가시</a:t>
-                      </a:r>
-                      <a:r>
                         <a:rPr lang="ko-KR" altLang="en-US" dirty="0" smtClean="0">
                           <a:latin typeface="한컴 윤고딕 230" panose="02020603020101020101" pitchFamily="18" charset="-127"/>
                           <a:ea typeface="한컴 윤고딕 230" panose="02020603020101020101" pitchFamily="18" charset="-127"/>
                         </a:rPr>
-                        <a:t> </a:t>
-                      </a:r>
-                      <a:r>
-                        <a:rPr lang="ko-KR" altLang="en-US" dirty="0" err="1" smtClean="0">
-                          <a:latin typeface="한컴 윤고딕 230" panose="02020603020101020101" pitchFamily="18" charset="-127"/>
-                          <a:ea typeface="한컴 윤고딕 230" panose="02020603020101020101" pitchFamily="18" charset="-127"/>
-                        </a:rPr>
-                        <a:t>체력추가</a:t>
-                      </a:r>
-                      <a:r>
-                        <a:rPr lang="ko-KR" altLang="en-US" dirty="0" smtClean="0">
-                          <a:latin typeface="한컴 윤고딕 230" panose="02020603020101020101" pitchFamily="18" charset="-127"/>
-                          <a:ea typeface="한컴 윤고딕 230" panose="02020603020101020101" pitchFamily="18" charset="-127"/>
-                        </a:rPr>
-                        <a:t> </a:t>
+                        <a:t>증가 시 체력 추가 </a:t>
                       </a:r>
                       <a:endParaRPr lang="en-US" altLang="ko-KR" dirty="0" smtClean="0">
                         <a:latin typeface="한컴 윤고딕 230" panose="02020603020101020101" pitchFamily="18" charset="-127"/>
@@ -4720,18 +4650,11 @@
                     <a:p>
                       <a:pPr latinLnBrk="1"/>
                       <a:r>
-                        <a:rPr lang="ko-KR" altLang="en-US" dirty="0" err="1" smtClean="0">
-                          <a:latin typeface="한컴 윤고딕 230" panose="02020603020101020101" pitchFamily="18" charset="-127"/>
-                          <a:ea typeface="한컴 윤고딕 230" panose="02020603020101020101" pitchFamily="18" charset="-127"/>
-                        </a:rPr>
-                        <a:t>캐릭터추가</a:t>
-                      </a:r>
-                      <a:r>
                         <a:rPr lang="ko-KR" altLang="en-US" dirty="0" smtClean="0">
                           <a:latin typeface="한컴 윤고딕 230" panose="02020603020101020101" pitchFamily="18" charset="-127"/>
                           <a:ea typeface="한컴 윤고딕 230" panose="02020603020101020101" pitchFamily="18" charset="-127"/>
                         </a:rPr>
-                        <a:t> </a:t>
+                        <a:t>캐릭터 추가 </a:t>
                       </a:r>
                       <a:r>
                         <a:rPr lang="en-US" altLang="ko-KR" dirty="0" smtClean="0">
@@ -4910,6 +4833,13 @@
   <p:clrMapOvr>
     <a:masterClrMapping/>
   </p:clrMapOvr>
+  <p:timing>
+    <p:tnLst>
+      <p:par>
+        <p:cTn id="1" dur="indefinite" restart="never" nodeType="tmRoot"/>
+      </p:par>
+    </p:tnLst>
+  </p:timing>
 </p:sld>
 </file>
 
@@ -4951,18 +4881,11 @@
           <a:lstStyle/>
           <a:p>
             <a:r>
-              <a:rPr lang="ko-KR" altLang="en-US" dirty="0" err="1" smtClean="0">
+              <a:rPr lang="ko-KR" altLang="en-US" dirty="0" smtClean="0">
                 <a:latin typeface="한컴 윤고딕 240" panose="02020603020101020101" pitchFamily="18" charset="-127"/>
                 <a:ea typeface="한컴 윤고딕 240" panose="02020603020101020101" pitchFamily="18" charset="-127"/>
               </a:rPr>
-              <a:t>개발</a:t>
-            </a:r>
-            <a:r>
-              <a:rPr lang="ko-KR" altLang="en-US" dirty="0" err="1" smtClean="0">
-                <a:latin typeface="한컴 윤고딕 240" panose="02020603020101020101" pitchFamily="18" charset="-127"/>
-                <a:ea typeface="한컴 윤고딕 240" panose="02020603020101020101" pitchFamily="18" charset="-127"/>
-              </a:rPr>
-              <a:t>일정</a:t>
+              <a:t>개발일정</a:t>
             </a:r>
             <a:endParaRPr lang="ko-KR" altLang="en-US" dirty="0">
               <a:latin typeface="한컴 윤고딕 240" panose="02020603020101020101" pitchFamily="18" charset="-127"/>
@@ -4981,7 +4904,7 @@
             <p:ph idx="1"/>
             <p:extLst>
               <p:ext uri="{D42A27DB-BD31-4B8C-83A1-F6EECF244321}">
-                <p14:modId xmlns:p14="http://schemas.microsoft.com/office/powerpoint/2010/main" val="1029703966"/>
+                <p14:modId xmlns:p14="http://schemas.microsoft.com/office/powerpoint/2010/main" val="3897294176"/>
               </p:ext>
             </p:extLst>
           </p:nvPr>
@@ -5152,11 +5075,11 @@
                     <a:p>
                       <a:pPr latinLnBrk="1"/>
                       <a:r>
-                        <a:rPr lang="ko-KR" altLang="en-US" sz="1600" dirty="0" err="1" smtClean="0">
-                          <a:latin typeface="한컴 윤고딕 230" panose="02020603020101020101" pitchFamily="18" charset="-127"/>
-                          <a:ea typeface="한컴 윤고딕 230" panose="02020603020101020101" pitchFamily="18" charset="-127"/>
-                        </a:rPr>
-                        <a:t>좌표처리</a:t>
+                        <a:rPr lang="ko-KR" altLang="en-US" sz="1600" dirty="0" smtClean="0">
+                          <a:latin typeface="한컴 윤고딕 230" panose="02020603020101020101" pitchFamily="18" charset="-127"/>
+                          <a:ea typeface="한컴 윤고딕 230" panose="02020603020101020101" pitchFamily="18" charset="-127"/>
+                        </a:rPr>
+                        <a:t>좌표 처리</a:t>
                       </a:r>
                       <a:r>
                         <a:rPr lang="en-US" altLang="ko-KR" sz="1600" dirty="0" smtClean="0">
@@ -5187,11 +5110,11 @@
                         <a:t>, </a:t>
                       </a:r>
                       <a:r>
-                        <a:rPr lang="ko-KR" altLang="en-US" sz="1600" baseline="0" dirty="0" err="1" smtClean="0">
-                          <a:latin typeface="한컴 윤고딕 230" panose="02020603020101020101" pitchFamily="18" charset="-127"/>
-                          <a:ea typeface="한컴 윤고딕 230" panose="02020603020101020101" pitchFamily="18" charset="-127"/>
-                        </a:rPr>
-                        <a:t>맵제작완료</a:t>
+                        <a:rPr lang="ko-KR" altLang="en-US" sz="1600" baseline="0" dirty="0" smtClean="0">
+                          <a:latin typeface="한컴 윤고딕 230" panose="02020603020101020101" pitchFamily="18" charset="-127"/>
+                          <a:ea typeface="한컴 윤고딕 230" panose="02020603020101020101" pitchFamily="18" charset="-127"/>
+                        </a:rPr>
+                        <a:t>맵제작 완료</a:t>
                       </a:r>
                       <a:r>
                         <a:rPr lang="en-US" altLang="ko-KR" sz="1600" baseline="0" dirty="0" smtClean="0">
@@ -5331,18 +5254,18 @@
                         <a:t>, </a:t>
                       </a:r>
                       <a:r>
-                        <a:rPr lang="ko-KR" altLang="en-US" sz="1600" dirty="0" err="1" smtClean="0">
-                          <a:latin typeface="한컴 윤고딕 230" panose="02020603020101020101" pitchFamily="18" charset="-127"/>
-                          <a:ea typeface="한컴 윤고딕 230" panose="02020603020101020101" pitchFamily="18" charset="-127"/>
-                        </a:rPr>
-                        <a:t>메인캐릭터</a:t>
-                      </a:r>
-                      <a:r>
                         <a:rPr lang="ko-KR" altLang="en-US" sz="1600" dirty="0" smtClean="0">
                           <a:latin typeface="한컴 윤고딕 230" panose="02020603020101020101" pitchFamily="18" charset="-127"/>
                           <a:ea typeface="한컴 윤고딕 230" panose="02020603020101020101" pitchFamily="18" charset="-127"/>
                         </a:rPr>
-                        <a:t> 조작</a:t>
+                        <a:t>메인 캐릭터 </a:t>
+                      </a:r>
+                      <a:r>
+                        <a:rPr lang="ko-KR" altLang="en-US" sz="1600" dirty="0" smtClean="0">
+                          <a:latin typeface="한컴 윤고딕 230" panose="02020603020101020101" pitchFamily="18" charset="-127"/>
+                          <a:ea typeface="한컴 윤고딕 230" panose="02020603020101020101" pitchFamily="18" charset="-127"/>
+                        </a:rPr>
+                        <a:t>조작</a:t>
                       </a:r>
                       <a:r>
                         <a:rPr lang="en-US" altLang="ko-KR" sz="1600" baseline="0" dirty="0" smtClean="0">
@@ -5446,7 +5369,7 @@
                         <a:t> </a:t>
                       </a:r>
                       <a:r>
-                        <a:rPr lang="ko-KR" altLang="en-US" sz="1600" baseline="0" dirty="0" err="1" smtClean="0">
+                        <a:rPr lang="ko-KR" altLang="en-US" sz="1600" baseline="0" dirty="0" smtClean="0">
                           <a:latin typeface="한컴 윤고딕 230" panose="02020603020101020101" pitchFamily="18" charset="-127"/>
                           <a:ea typeface="한컴 윤고딕 230" panose="02020603020101020101" pitchFamily="18" charset="-127"/>
                         </a:rPr>
@@ -5477,7 +5400,7 @@
                     <a:p>
                       <a:pPr latinLnBrk="1"/>
                       <a:r>
-                        <a:rPr lang="ko-KR" altLang="en-US" sz="1600" baseline="0" dirty="0" err="1" smtClean="0">
+                        <a:rPr lang="ko-KR" altLang="en-US" sz="1600" baseline="0" dirty="0" smtClean="0">
                           <a:latin typeface="한컴 윤고딕 230" panose="02020603020101020101" pitchFamily="18" charset="-127"/>
                           <a:ea typeface="한컴 윤고딕 230" panose="02020603020101020101" pitchFamily="18" charset="-127"/>
                         </a:rPr>
@@ -5495,14 +5418,7 @@
                           <a:latin typeface="한컴 윤고딕 230" panose="02020603020101020101" pitchFamily="18" charset="-127"/>
                           <a:ea typeface="한컴 윤고딕 230" panose="02020603020101020101" pitchFamily="18" charset="-127"/>
                         </a:rPr>
-                        <a:t>날아오는 </a:t>
-                      </a:r>
-                      <a:r>
-                        <a:rPr lang="ko-KR" altLang="en-US" sz="1600" baseline="0" dirty="0" err="1" smtClean="0">
-                          <a:latin typeface="한컴 윤고딕 230" panose="02020603020101020101" pitchFamily="18" charset="-127"/>
-                          <a:ea typeface="한컴 윤고딕 230" panose="02020603020101020101" pitchFamily="18" charset="-127"/>
-                        </a:rPr>
-                        <a:t>모션처리</a:t>
+                        <a:t>날아오는 모션처리</a:t>
                       </a:r>
                       <a:r>
                         <a:rPr lang="en-US" altLang="ko-KR" sz="1600" baseline="0" dirty="0" smtClean="0">
@@ -5542,16 +5458,6 @@
                         <a:t>&amp; </a:t>
                       </a:r>
                       <a:r>
-                        <a:rPr lang="ko-KR" altLang="en-US" sz="1600" b="1" baseline="0" dirty="0" err="1" smtClean="0">
-                          <a:solidFill>
-                            <a:srgbClr val="FF0000"/>
-                          </a:solidFill>
-                          <a:latin typeface="한컴 윤고딕 230" panose="02020603020101020101" pitchFamily="18" charset="-127"/>
-                          <a:ea typeface="한컴 윤고딕 230" panose="02020603020101020101" pitchFamily="18" charset="-127"/>
-                        </a:rPr>
-                        <a:t>플레이어블캐릭터</a:t>
-                      </a:r>
-                      <a:r>
                         <a:rPr lang="ko-KR" altLang="en-US" sz="1600" b="1" baseline="0" dirty="0" smtClean="0">
                           <a:solidFill>
                             <a:srgbClr val="FF0000"/>
@@ -5559,7 +5465,7 @@
                           <a:latin typeface="한컴 윤고딕 230" panose="02020603020101020101" pitchFamily="18" charset="-127"/>
                           <a:ea typeface="한컴 윤고딕 230" panose="02020603020101020101" pitchFamily="18" charset="-127"/>
                         </a:rPr>
-                        <a:t> </a:t>
+                        <a:t>플레이어블 캐릭터 </a:t>
                       </a:r>
                       <a:endParaRPr lang="en-US" altLang="ko-KR" sz="1600" b="1" baseline="0" dirty="0" smtClean="0">
                         <a:solidFill>
@@ -5723,18 +5629,11 @@
                         <a:t>, </a:t>
                       </a:r>
                       <a:r>
-                        <a:rPr lang="ko-KR" altLang="en-US" sz="1600" dirty="0" err="1" smtClean="0">
-                          <a:latin typeface="한컴 윤고딕 230" panose="02020603020101020101" pitchFamily="18" charset="-127"/>
-                          <a:ea typeface="한컴 윤고딕 230" panose="02020603020101020101" pitchFamily="18" charset="-127"/>
-                        </a:rPr>
-                        <a:t>체력바</a:t>
-                      </a:r>
-                      <a:r>
                         <a:rPr lang="ko-KR" altLang="en-US" sz="1600" dirty="0" smtClean="0">
                           <a:latin typeface="한컴 윤고딕 230" panose="02020603020101020101" pitchFamily="18" charset="-127"/>
                           <a:ea typeface="한컴 윤고딕 230" panose="02020603020101020101" pitchFamily="18" charset="-127"/>
                         </a:rPr>
-                        <a:t> 구현</a:t>
+                        <a:t>체력바 구현</a:t>
                       </a:r>
                       <a:r>
                         <a:rPr lang="en-US" altLang="ko-KR" sz="1600" dirty="0" smtClean="0">
@@ -5744,32 +5643,18 @@
                         <a:t>(20%),  </a:t>
                       </a:r>
                       <a:r>
-                        <a:rPr lang="ko-KR" altLang="en-US" sz="1600" dirty="0" err="1" smtClean="0">
-                          <a:latin typeface="한컴 윤고딕 230" panose="02020603020101020101" pitchFamily="18" charset="-127"/>
-                          <a:ea typeface="한컴 윤고딕 230" panose="02020603020101020101" pitchFamily="18" charset="-127"/>
-                        </a:rPr>
-                        <a:t>문제점보완</a:t>
+                        <a:rPr lang="ko-KR" altLang="en-US" sz="1600" dirty="0" smtClean="0">
+                          <a:latin typeface="한컴 윤고딕 230" panose="02020603020101020101" pitchFamily="18" charset="-127"/>
+                          <a:ea typeface="한컴 윤고딕 230" panose="02020603020101020101" pitchFamily="18" charset="-127"/>
+                        </a:rPr>
+                        <a:t>문제점 보완</a:t>
                       </a:r>
                       <a:r>
                         <a:rPr lang="en-US" altLang="ko-KR" sz="1600" dirty="0" smtClean="0">
                           <a:latin typeface="한컴 윤고딕 230" panose="02020603020101020101" pitchFamily="18" charset="-127"/>
                           <a:ea typeface="한컴 윤고딕 230" panose="02020603020101020101" pitchFamily="18" charset="-127"/>
                         </a:rPr>
-                        <a:t>(~</a:t>
-                      </a:r>
-                      <a:r>
-                        <a:rPr lang="en-US" altLang="ko-KR" sz="1600" dirty="0" err="1" smtClean="0">
-                          <a:latin typeface="한컴 윤고딕 230" panose="02020603020101020101" pitchFamily="18" charset="-127"/>
-                          <a:ea typeface="한컴 윤고딕 230" panose="02020603020101020101" pitchFamily="18" charset="-127"/>
-                        </a:rPr>
-                        <a:t>ing</a:t>
-                      </a:r>
-                      <a:r>
-                        <a:rPr lang="en-US" altLang="ko-KR" sz="1600" dirty="0" smtClean="0">
-                          <a:latin typeface="한컴 윤고딕 230" panose="02020603020101020101" pitchFamily="18" charset="-127"/>
-                          <a:ea typeface="한컴 윤고딕 230" panose="02020603020101020101" pitchFamily="18" charset="-127"/>
-                        </a:rPr>
-                        <a:t>)</a:t>
+                        <a:t>(~ing)</a:t>
                       </a:r>
                       <a:endParaRPr lang="ko-KR" altLang="en-US" sz="1600" dirty="0">
                         <a:latin typeface="한컴 윤고딕 230" panose="02020603020101020101" pitchFamily="18" charset="-127"/>
@@ -5861,18 +5746,11 @@
                     <a:p>
                       <a:pPr latinLnBrk="1"/>
                       <a:r>
-                        <a:rPr lang="ko-KR" altLang="en-US" sz="1600" dirty="0" err="1" smtClean="0">
-                          <a:latin typeface="한컴 윤고딕 230" panose="02020603020101020101" pitchFamily="18" charset="-127"/>
-                          <a:ea typeface="한컴 윤고딕 230" panose="02020603020101020101" pitchFamily="18" charset="-127"/>
-                        </a:rPr>
-                        <a:t>플레이어블</a:t>
-                      </a:r>
-                      <a:r>
                         <a:rPr lang="ko-KR" altLang="en-US" sz="1600" dirty="0" smtClean="0">
                           <a:latin typeface="한컴 윤고딕 230" panose="02020603020101020101" pitchFamily="18" charset="-127"/>
                           <a:ea typeface="한컴 윤고딕 230" panose="02020603020101020101" pitchFamily="18" charset="-127"/>
                         </a:rPr>
-                        <a:t> 캐릭터 추가</a:t>
+                        <a:t>플레이어블 캐릭터 추가</a:t>
                       </a:r>
                       <a:r>
                         <a:rPr lang="en-US" altLang="ko-KR" sz="1600" dirty="0" smtClean="0">
@@ -5903,14 +5781,14 @@
                         <a:t> </a:t>
                       </a:r>
                       <a:r>
-                        <a:rPr lang="ko-KR" altLang="en-US" sz="1600" b="1" baseline="0" dirty="0" err="1" smtClean="0">
+                        <a:rPr lang="ko-KR" altLang="en-US" sz="1600" b="1" baseline="0" dirty="0" smtClean="0">
                           <a:solidFill>
                             <a:srgbClr val="FF0000"/>
                           </a:solidFill>
                           <a:latin typeface="한컴 윤고딕 230" panose="02020603020101020101" pitchFamily="18" charset="-127"/>
                           <a:ea typeface="한컴 윤고딕 230" panose="02020603020101020101" pitchFamily="18" charset="-127"/>
                         </a:rPr>
-                        <a:t>몬스터패턴</a:t>
+                        <a:t>몬스터 패턴</a:t>
                       </a:r>
                       <a:r>
                         <a:rPr lang="en-US" altLang="ko-KR" sz="1600" b="1" baseline="0" dirty="0" smtClean="0">
@@ -5933,14 +5811,14 @@
                         <a:t>날아오는 </a:t>
                       </a:r>
                       <a:r>
-                        <a:rPr lang="ko-KR" altLang="en-US" sz="1600" b="1" baseline="0" dirty="0" err="1" smtClean="0">
+                        <a:rPr lang="ko-KR" altLang="en-US" sz="1600" b="1" baseline="0" dirty="0" smtClean="0">
                           <a:solidFill>
                             <a:srgbClr val="FF0000"/>
                           </a:solidFill>
                           <a:latin typeface="한컴 윤고딕 230" panose="02020603020101020101" pitchFamily="18" charset="-127"/>
                           <a:ea typeface="한컴 윤고딕 230" panose="02020603020101020101" pitchFamily="18" charset="-127"/>
                         </a:rPr>
-                        <a:t>모션처리</a:t>
+                        <a:t>모션 처리</a:t>
                       </a:r>
                       <a:r>
                         <a:rPr lang="en-US" altLang="ko-KR" sz="1600" b="1" baseline="0" dirty="0" smtClean="0">
@@ -6076,25 +5954,11 @@
                         <a:t>+ </a:t>
                       </a:r>
                       <a:r>
-                        <a:rPr lang="ko-KR" altLang="en-US" sz="1600" baseline="0" dirty="0" err="1" smtClean="0">
-                          <a:latin typeface="한컴 윤고딕 230" panose="02020603020101020101" pitchFamily="18" charset="-127"/>
-                          <a:ea typeface="한컴 윤고딕 230" panose="02020603020101020101" pitchFamily="18" charset="-127"/>
-                        </a:rPr>
-                        <a:t>보스몹</a:t>
-                      </a:r>
-                      <a:r>
                         <a:rPr lang="ko-KR" altLang="en-US" sz="1600" baseline="0" dirty="0" smtClean="0">
                           <a:latin typeface="한컴 윤고딕 230" panose="02020603020101020101" pitchFamily="18" charset="-127"/>
                           <a:ea typeface="한컴 윤고딕 230" panose="02020603020101020101" pitchFamily="18" charset="-127"/>
                         </a:rPr>
-                        <a:t> </a:t>
-                      </a:r>
-                      <a:r>
-                        <a:rPr lang="ko-KR" altLang="en-US" sz="1600" baseline="0" dirty="0" err="1" smtClean="0">
-                          <a:latin typeface="한컴 윤고딕 230" panose="02020603020101020101" pitchFamily="18" charset="-127"/>
-                          <a:ea typeface="한컴 윤고딕 230" panose="02020603020101020101" pitchFamily="18" charset="-127"/>
-                        </a:rPr>
-                        <a:t>최종처리</a:t>
+                        <a:t>보스몹 최종처리</a:t>
                       </a:r>
                       <a:r>
                         <a:rPr lang="en-US" altLang="ko-KR" sz="1600" baseline="0" dirty="0" smtClean="0">
@@ -6104,18 +5968,11 @@
                         <a:t>&amp; </a:t>
                       </a:r>
                       <a:r>
-                        <a:rPr lang="ko-KR" altLang="en-US" sz="1600" baseline="0" dirty="0" err="1" smtClean="0">
-                          <a:latin typeface="한컴 윤고딕 230" panose="02020603020101020101" pitchFamily="18" charset="-127"/>
-                          <a:ea typeface="한컴 윤고딕 230" panose="02020603020101020101" pitchFamily="18" charset="-127"/>
-                        </a:rPr>
-                        <a:t>시작종료</a:t>
-                      </a:r>
-                      <a:r>
                         <a:rPr lang="ko-KR" altLang="en-US" sz="1600" baseline="0" dirty="0" smtClean="0">
                           <a:latin typeface="한컴 윤고딕 230" panose="02020603020101020101" pitchFamily="18" charset="-127"/>
                           <a:ea typeface="한컴 윤고딕 230" panose="02020603020101020101" pitchFamily="18" charset="-127"/>
                         </a:rPr>
-                        <a:t> 화면 추가하기</a:t>
+                        <a:t>시작종료 화면 추가하기</a:t>
                       </a:r>
                       <a:endParaRPr lang="ko-KR" altLang="en-US" sz="1600" dirty="0">
                         <a:latin typeface="한컴 윤고딕 230" panose="02020603020101020101" pitchFamily="18" charset="-127"/>
@@ -6174,16 +6031,6 @@
                         <a:t> </a:t>
                       </a:r>
                       <a:r>
-                        <a:rPr lang="ko-KR" altLang="en-US" sz="1600" b="1" baseline="0" dirty="0" err="1" smtClean="0">
-                          <a:solidFill>
-                            <a:srgbClr val="FF0000"/>
-                          </a:solidFill>
-                          <a:latin typeface="한컴 윤고딕 230" panose="02020603020101020101" pitchFamily="18" charset="-127"/>
-                          <a:ea typeface="한컴 윤고딕 230" panose="02020603020101020101" pitchFamily="18" charset="-127"/>
-                        </a:rPr>
-                        <a:t>플레이어블캐릭터</a:t>
-                      </a:r>
-                      <a:r>
                         <a:rPr lang="ko-KR" altLang="en-US" sz="1600" b="1" baseline="0" dirty="0" smtClean="0">
                           <a:solidFill>
                             <a:srgbClr val="FF0000"/>
@@ -6191,7 +6038,7 @@
                           <a:latin typeface="한컴 윤고딕 230" panose="02020603020101020101" pitchFamily="18" charset="-127"/>
                           <a:ea typeface="한컴 윤고딕 230" panose="02020603020101020101" pitchFamily="18" charset="-127"/>
                         </a:rPr>
-                        <a:t> 선택창</a:t>
+                        <a:t>플레이어블캐릭터 선택창</a:t>
                       </a:r>
                       <a:r>
                         <a:rPr lang="en-US" altLang="ko-KR" sz="1600" b="1" baseline="0" dirty="0" smtClean="0">
@@ -6231,17 +6078,17 @@
                           <a:latin typeface="한컴 윤고딕 230" panose="02020603020101020101" pitchFamily="18" charset="-127"/>
                           <a:ea typeface="한컴 윤고딕 230" panose="02020603020101020101" pitchFamily="18" charset="-127"/>
                         </a:rPr>
-                        <a:t>보스 </a:t>
-                      </a:r>
-                      <a:r>
-                        <a:rPr lang="ko-KR" altLang="en-US" sz="1600" b="1" baseline="0" dirty="0" err="1" smtClean="0">
+                        <a:t>보스 죽는모션 처리</a:t>
+                      </a:r>
+                      <a:r>
+                        <a:rPr lang="en-US" altLang="ko-KR" sz="1600" b="1" baseline="0" dirty="0" smtClean="0">
                           <a:solidFill>
                             <a:srgbClr val="FF0000"/>
                           </a:solidFill>
                           <a:latin typeface="한컴 윤고딕 230" panose="02020603020101020101" pitchFamily="18" charset="-127"/>
                           <a:ea typeface="한컴 윤고딕 230" panose="02020603020101020101" pitchFamily="18" charset="-127"/>
                         </a:rPr>
-                        <a:t>죽는모션</a:t>
+                        <a:t>, </a:t>
                       </a:r>
                       <a:r>
                         <a:rPr lang="ko-KR" altLang="en-US" sz="1600" b="1" baseline="0" dirty="0" smtClean="0">
@@ -6251,47 +6098,7 @@
                           <a:latin typeface="한컴 윤고딕 230" panose="02020603020101020101" pitchFamily="18" charset="-127"/>
                           <a:ea typeface="한컴 윤고딕 230" panose="02020603020101020101" pitchFamily="18" charset="-127"/>
                         </a:rPr>
-                        <a:t> 처리</a:t>
-                      </a:r>
-                      <a:r>
-                        <a:rPr lang="en-US" altLang="ko-KR" sz="1600" b="1" baseline="0" dirty="0" smtClean="0">
-                          <a:solidFill>
-                            <a:srgbClr val="FF0000"/>
-                          </a:solidFill>
-                          <a:latin typeface="한컴 윤고딕 230" panose="02020603020101020101" pitchFamily="18" charset="-127"/>
-                          <a:ea typeface="한컴 윤고딕 230" panose="02020603020101020101" pitchFamily="18" charset="-127"/>
-                        </a:rPr>
-                        <a:t>, </a:t>
-                      </a:r>
-                      <a:r>
-                        <a:rPr lang="ko-KR" altLang="en-US" sz="1600" b="1" baseline="0" dirty="0" err="1" smtClean="0">
-                          <a:solidFill>
-                            <a:srgbClr val="FF0000"/>
-                          </a:solidFill>
-                          <a:latin typeface="한컴 윤고딕 230" panose="02020603020101020101" pitchFamily="18" charset="-127"/>
-                          <a:ea typeface="한컴 윤고딕 230" panose="02020603020101020101" pitchFamily="18" charset="-127"/>
-                        </a:rPr>
-                        <a:t>성공실패</a:t>
-                      </a:r>
-                      <a:r>
-                        <a:rPr lang="ko-KR" altLang="en-US" sz="1600" b="1" baseline="0" dirty="0" smtClean="0">
-                          <a:solidFill>
-                            <a:srgbClr val="FF0000"/>
-                          </a:solidFill>
-                          <a:latin typeface="한컴 윤고딕 230" panose="02020603020101020101" pitchFamily="18" charset="-127"/>
-                          <a:ea typeface="한컴 윤고딕 230" panose="02020603020101020101" pitchFamily="18" charset="-127"/>
-                        </a:rPr>
-                        <a:t> </a:t>
-                      </a:r>
-                      <a:r>
-                        <a:rPr lang="ko-KR" altLang="en-US" sz="1600" b="1" baseline="0" dirty="0" err="1" smtClean="0">
-                          <a:solidFill>
-                            <a:srgbClr val="FF0000"/>
-                          </a:solidFill>
-                          <a:latin typeface="한컴 윤고딕 230" panose="02020603020101020101" pitchFamily="18" charset="-127"/>
-                          <a:ea typeface="한컴 윤고딕 230" panose="02020603020101020101" pitchFamily="18" charset="-127"/>
-                        </a:rPr>
-                        <a:t>상태창추가</a:t>
+                        <a:t>성공 실패 상태창 추가</a:t>
                       </a:r>
                       <a:r>
                         <a:rPr lang="en-US" altLang="ko-KR" sz="1600" b="1" dirty="0" smtClean="0">
@@ -6301,17 +6108,27 @@
                           <a:latin typeface="한컴 윤고딕 230" panose="02020603020101020101" pitchFamily="18" charset="-127"/>
                           <a:ea typeface="한컴 윤고딕 230" panose="02020603020101020101" pitchFamily="18" charset="-127"/>
                         </a:rPr>
-                        <a:t> &amp; </a:t>
-                      </a:r>
-                      <a:r>
-                        <a:rPr lang="ko-KR" altLang="en-US" sz="1600" b="1" dirty="0" err="1" smtClean="0">
+                        <a:t> </a:t>
+                      </a:r>
+                      <a:r>
+                        <a:rPr lang="en-US" altLang="ko-KR" sz="1600" b="1" dirty="0" smtClean="0">
                           <a:solidFill>
                             <a:srgbClr val="FF0000"/>
                           </a:solidFill>
                           <a:latin typeface="한컴 윤고딕 230" panose="02020603020101020101" pitchFamily="18" charset="-127"/>
                           <a:ea typeface="한컴 윤고딕 230" panose="02020603020101020101" pitchFamily="18" charset="-127"/>
                         </a:rPr>
-                        <a:t>사운드구현</a:t>
+                        <a:t>&amp; </a:t>
+                      </a:r>
+                      <a:r>
+                        <a:rPr lang="ko-KR" altLang="en-US" sz="1600" b="1" dirty="0" smtClean="0">
+                          <a:solidFill>
+                            <a:srgbClr val="FF0000"/>
+                          </a:solidFill>
+                          <a:latin typeface="한컴 윤고딕 230" panose="02020603020101020101" pitchFamily="18" charset="-127"/>
+                          <a:ea typeface="한컴 윤고딕 230" panose="02020603020101020101" pitchFamily="18" charset="-127"/>
+                        </a:rPr>
+                        <a:t>사운드 구현</a:t>
                       </a:r>
                       <a:endParaRPr lang="ko-KR" altLang="en-US" sz="1600" b="1" dirty="0">
                         <a:solidFill>
@@ -6410,6 +6227,13 @@
   <p:clrMapOvr>
     <a:masterClrMapping/>
   </p:clrMapOvr>
+  <p:timing>
+    <p:tnLst>
+      <p:par>
+        <p:cTn id="1" dur="indefinite" restart="never" nodeType="tmRoot"/>
+      </p:par>
+    </p:tnLst>
+  </p:timing>
 </p:sld>
 </file>
 
@@ -6451,11 +6275,18 @@
           <a:lstStyle/>
           <a:p>
             <a:r>
-              <a:rPr lang="ko-KR" altLang="en-US" dirty="0" err="1" smtClean="0">
+              <a:rPr lang="ko-KR" altLang="en-US" dirty="0" smtClean="0">
                 <a:latin typeface="한컴 윤고딕 240" panose="02020603020101020101" pitchFamily="18" charset="-127"/>
                 <a:ea typeface="한컴 윤고딕 240" panose="02020603020101020101" pitchFamily="18" charset="-127"/>
               </a:rPr>
-              <a:t>깃허브통계</a:t>
+              <a:t>깃허브</a:t>
+            </a:r>
+            <a:r>
+              <a:rPr lang="ko-KR" altLang="en-US" dirty="0" smtClean="0">
+                <a:latin typeface="한컴 윤고딕 240" panose="02020603020101020101" pitchFamily="18" charset="-127"/>
+                <a:ea typeface="한컴 윤고딕 240" panose="02020603020101020101" pitchFamily="18" charset="-127"/>
+              </a:rPr>
+              <a:t> 통계</a:t>
             </a:r>
             <a:endParaRPr lang="ko-KR" altLang="en-US" dirty="0">
               <a:latin typeface="한컴 윤고딕 240" panose="02020603020101020101" pitchFamily="18" charset="-127"/>
@@ -6684,6 +6515,13 @@
   <p:clrMapOvr>
     <a:masterClrMapping/>
   </p:clrMapOvr>
+  <p:timing>
+    <p:tnLst>
+      <p:par>
+        <p:cTn id="1" dur="indefinite" restart="never" nodeType="tmRoot"/>
+      </p:par>
+    </p:tnLst>
+  </p:timing>
 </p:sld>
 </file>
 
